--- a/Minsu/제안서 발표 PPT.pptx
+++ b/Minsu/제안서 발표 PPT.pptx
@@ -474,6 +474,90 @@
 </file>
 
 <file path=ppt/notesSlides/notesSlide1.xml><?xml version="1.0" encoding="utf-8"?>
+<p:notes xmlns:a="http://schemas.openxmlformats.org/drawingml/2006/main" xmlns:r="http://schemas.openxmlformats.org/officeDocument/2006/relationships" xmlns:p="http://schemas.openxmlformats.org/presentationml/2006/main">
+  <p:cSld>
+    <p:spTree>
+      <p:nvGrpSpPr>
+        <p:cNvPr id="1" name=""/>
+        <p:cNvGrpSpPr/>
+        <p:nvPr/>
+      </p:nvGrpSpPr>
+      <p:grpSpPr>
+        <a:xfrm>
+          <a:off x="0" y="0"/>
+          <a:ext cx="0" cy="0"/>
+          <a:chOff x="0" y="0"/>
+          <a:chExt cx="0" cy="0"/>
+        </a:xfrm>
+      </p:grpSpPr>
+      <p:sp>
+        <p:nvSpPr>
+          <p:cNvPr id="2" name="슬라이드 이미지 개체 틀 1"/>
+          <p:cNvSpPr>
+            <a:spLocks noGrp="1" noRot="1" noChangeAspect="1"/>
+          </p:cNvSpPr>
+          <p:nvPr>
+            <p:ph type="sldImg"/>
+          </p:nvPr>
+        </p:nvSpPr>
+        <p:spPr/>
+      </p:sp>
+      <p:sp>
+        <p:nvSpPr>
+          <p:cNvPr id="3" name="슬라이드 노트 개체 틀 2"/>
+          <p:cNvSpPr>
+            <a:spLocks noGrp="1"/>
+          </p:cNvSpPr>
+          <p:nvPr>
+            <p:ph type="body" idx="1"/>
+          </p:nvPr>
+        </p:nvSpPr>
+        <p:spPr/>
+        <p:txBody>
+          <a:bodyPr/>
+          <a:lstStyle/>
+          <a:p>
+            <a:endParaRPr lang="ko-KR" altLang="en-US" dirty="0"/>
+          </a:p>
+        </p:txBody>
+      </p:sp>
+      <p:sp>
+        <p:nvSpPr>
+          <p:cNvPr id="4" name="슬라이드 번호 개체 틀 3"/>
+          <p:cNvSpPr>
+            <a:spLocks noGrp="1"/>
+          </p:cNvSpPr>
+          <p:nvPr>
+            <p:ph type="sldNum" sz="quarter" idx="5"/>
+          </p:nvPr>
+        </p:nvSpPr>
+        <p:spPr/>
+        <p:txBody>
+          <a:bodyPr/>
+          <a:lstStyle/>
+          <a:p>
+            <a:fld id="{E673E845-BF8B-46E9-8AAF-0B1CB5ED60B9}" type="slidenum">
+              <a:rPr lang="ko-KR" altLang="en-US" smtClean="0"/>
+              <a:t>5</a:t>
+            </a:fld>
+            <a:endParaRPr lang="ko-KR" altLang="en-US"/>
+          </a:p>
+        </p:txBody>
+      </p:sp>
+    </p:spTree>
+    <p:extLst>
+      <p:ext uri="{BB962C8B-B14F-4D97-AF65-F5344CB8AC3E}">
+        <p14:creationId xmlns:p14="http://schemas.microsoft.com/office/powerpoint/2010/main" val="1744572501"/>
+      </p:ext>
+    </p:extLst>
+  </p:cSld>
+  <p:clrMapOvr>
+    <a:masterClrMapping/>
+  </p:clrMapOvr>
+</p:notes>
+</file>
+
+<file path=ppt/notesSlides/notesSlide2.xml><?xml version="1.0" encoding="utf-8"?>
 <p:notes xmlns:a="http://schemas.openxmlformats.org/drawingml/2006/main" xmlns:r="http://schemas.openxmlformats.org/officeDocument/2006/relationships" xmlns:p="http://schemas.openxmlformats.org/presentationml/2006/main">
   <p:cSld>
     <p:spTree>
@@ -4641,7 +4725,7 @@
               <a:rPr lang="en-US" altLang="ko-KR" sz="1600" dirty="0" err="1">
                 <a:latin typeface="+mn-ea"/>
               </a:rPr>
-              <a:t>Hanggis</a:t>
+              <a:t>Hanggies</a:t>
             </a:r>
             <a:endParaRPr lang="ko-KR" altLang="en-US" sz="1600" dirty="0">
               <a:latin typeface="+mn-ea"/>
@@ -5008,7 +5092,7 @@
                 </a:solidFill>
                 <a:latin typeface="+mn-ea"/>
               </a:rPr>
-              <a:t>Hanggis</a:t>
+              <a:t>Hanggies</a:t>
             </a:r>
             <a:endParaRPr lang="ko-KR" altLang="en-US" sz="1600" dirty="0">
               <a:solidFill>
@@ -5569,7 +5653,7 @@
               <a:rPr lang="en-US" altLang="ko-KR" sz="1600" dirty="0" err="1">
                 <a:latin typeface="+mn-ea"/>
               </a:rPr>
-              <a:t>Hanggis</a:t>
+              <a:t>Hanggies</a:t>
             </a:r>
             <a:endParaRPr lang="ko-KR" altLang="en-US" sz="1600" dirty="0">
               <a:latin typeface="+mn-ea"/>
@@ -6435,7 +6519,7 @@
               <a:rPr lang="en-US" altLang="ko-KR" sz="1600" dirty="0" err="1">
                 <a:latin typeface="+mn-ea"/>
               </a:rPr>
-              <a:t>Hanggis</a:t>
+              <a:t>Hanggies</a:t>
             </a:r>
             <a:endParaRPr lang="ko-KR" altLang="en-US" sz="1600" dirty="0">
               <a:latin typeface="+mn-ea"/>
@@ -6786,7 +6870,7 @@
               <a:rPr lang="ko-KR" altLang="en-US" b="1" dirty="0">
                 <a:latin typeface="+mn-ea"/>
               </a:rPr>
-              <a:t>기저귀 문제발생 알림</a:t>
+              <a:t>기저귀 교체 알림</a:t>
             </a:r>
             <a:endParaRPr lang="en-US" altLang="ko-KR" b="1" dirty="0">
               <a:latin typeface="+mn-ea"/>
@@ -6802,19 +6886,19 @@
               <a:rPr lang="ko-KR" altLang="en-US" b="1" dirty="0">
                 <a:latin typeface="+mn-ea"/>
               </a:rPr>
-              <a:t>기저귀 상태 및 </a:t>
+              <a:t>기저귀 상태 및 이력</a:t>
             </a:r>
             <a:r>
               <a:rPr lang="en-US" altLang="ko-KR" b="1" dirty="0">
                 <a:latin typeface="+mn-ea"/>
               </a:rPr>
-              <a:t>History </a:t>
+              <a:t> </a:t>
             </a:r>
             <a:r>
               <a:rPr lang="ko-KR" altLang="en-US" b="1" dirty="0">
                 <a:latin typeface="+mn-ea"/>
               </a:rPr>
-              <a:t>저장</a:t>
+              <a:t>조회</a:t>
             </a:r>
             <a:endParaRPr lang="en-US" altLang="ko-KR" b="1" dirty="0">
               <a:latin typeface="+mn-ea"/>
@@ -6995,7 +7079,7 @@
               <a:rPr lang="en-US" altLang="ko-KR" sz="1600" dirty="0" err="1">
                 <a:latin typeface="+mn-ea"/>
               </a:rPr>
-              <a:t>Hanggis</a:t>
+              <a:t>Hanggies</a:t>
             </a:r>
             <a:endParaRPr lang="ko-KR" altLang="en-US" sz="1600" dirty="0">
               <a:latin typeface="+mn-ea"/>
@@ -7318,10 +7402,10 @@
           <p:nvPr/>
         </p:nvPicPr>
         <p:blipFill>
-          <a:blip r:embed="rId2">
+          <a:blip r:embed="rId3">
             <a:extLst>
               <a:ext uri="{96DAC541-7B7A-43D3-8B79-37D633B846F1}">
-                <asvg:svgBlip xmlns:asvg="http://schemas.microsoft.com/office/drawing/2016/SVG/main" r:embed="rId3"/>
+                <asvg:svgBlip xmlns:asvg="http://schemas.microsoft.com/office/drawing/2016/SVG/main" r:embed="rId4"/>
               </a:ext>
             </a:extLst>
           </a:blip>
@@ -7432,7 +7516,7 @@
         <p:spPr>
           <a:xfrm>
             <a:off x="4361012" y="833618"/>
-            <a:ext cx="1412167" cy="461665"/>
+            <a:ext cx="1626833" cy="461665"/>
           </a:xfrm>
           <a:prstGeom prst="rect">
             <a:avLst/>
@@ -7459,7 +7543,7 @@
                 </a:effectLst>
                 <a:latin typeface="+mn-ea"/>
               </a:rPr>
-              <a:t>Hanggis</a:t>
+              <a:t>Hanggies</a:t>
             </a:r>
             <a:endParaRPr lang="ko-KR" altLang="en-US" sz="2000" b="1" dirty="0">
               <a:solidFill>
@@ -7759,15 +7843,324 @@
           <p:nvPr/>
         </p:nvPicPr>
         <p:blipFill>
-          <a:blip r:embed="rId4"/>
+          <a:blip r:embed="rId5"/>
           <a:stretch>
             <a:fillRect/>
           </a:stretch>
         </p:blipFill>
         <p:spPr>
           <a:xfrm>
-            <a:off x="2540876" y="1926184"/>
-            <a:ext cx="7110248" cy="4181160"/>
+            <a:off x="5987845" y="2254045"/>
+            <a:ext cx="6115676" cy="3596304"/>
+          </a:xfrm>
+          <a:prstGeom prst="rect">
+            <a:avLst/>
+          </a:prstGeom>
+        </p:spPr>
+      </p:pic>
+      <p:pic>
+        <p:nvPicPr>
+          <p:cNvPr id="3" name="그래픽 2" descr="전구">
+            <a:extLst>
+              <a:ext uri="{FF2B5EF4-FFF2-40B4-BE49-F238E27FC236}">
+                <a16:creationId xmlns:a16="http://schemas.microsoft.com/office/drawing/2014/main" id="{B87C6287-1EFD-4C10-9002-793A3278ACF0}"/>
+              </a:ext>
+            </a:extLst>
+          </p:cNvPr>
+          <p:cNvPicPr>
+            <a:picLocks noChangeAspect="1"/>
+          </p:cNvPicPr>
+          <p:nvPr/>
+        </p:nvPicPr>
+        <p:blipFill>
+          <a:blip r:embed="rId6">
+            <a:extLst>
+              <a:ext uri="{96DAC541-7B7A-43D3-8B79-37D633B846F1}">
+                <asvg:svgBlip xmlns:asvg="http://schemas.microsoft.com/office/drawing/2016/SVG/main" r:embed="rId7"/>
+              </a:ext>
+            </a:extLst>
+          </a:blip>
+          <a:stretch>
+            <a:fillRect/>
+          </a:stretch>
+        </p:blipFill>
+        <p:spPr>
+          <a:xfrm>
+            <a:off x="417871" y="2254045"/>
+            <a:ext cx="914400" cy="914400"/>
+          </a:xfrm>
+          <a:prstGeom prst="rect">
+            <a:avLst/>
+          </a:prstGeom>
+        </p:spPr>
+      </p:pic>
+      <p:sp>
+        <p:nvSpPr>
+          <p:cNvPr id="4" name="TextBox 3">
+            <a:extLst>
+              <a:ext uri="{FF2B5EF4-FFF2-40B4-BE49-F238E27FC236}">
+                <a16:creationId xmlns:a16="http://schemas.microsoft.com/office/drawing/2014/main" id="{D2B47651-172A-4504-BEF0-F09DB9BD8C94}"/>
+              </a:ext>
+            </a:extLst>
+          </p:cNvPr>
+          <p:cNvSpPr txBox="1"/>
+          <p:nvPr/>
+        </p:nvSpPr>
+        <p:spPr>
+          <a:xfrm>
+            <a:off x="521110" y="3168445"/>
+            <a:ext cx="811161" cy="369332"/>
+          </a:xfrm>
+          <a:prstGeom prst="rect">
+            <a:avLst/>
+          </a:prstGeom>
+          <a:noFill/>
+        </p:spPr>
+        <p:txBody>
+          <a:bodyPr wrap="square" rtlCol="0">
+            <a:spAutoFit/>
+          </a:bodyPr>
+          <a:lstStyle/>
+          <a:p>
+            <a:r>
+              <a:rPr lang="ko-KR" altLang="en-US" dirty="0"/>
+              <a:t>감지</a:t>
+            </a:r>
+            <a:r>
+              <a:rPr lang="en-US" altLang="ko-KR" dirty="0"/>
+              <a:t>!!</a:t>
+            </a:r>
+            <a:endParaRPr lang="ko-KR" altLang="en-US" dirty="0"/>
+          </a:p>
+        </p:txBody>
+      </p:sp>
+      <p:pic>
+        <p:nvPicPr>
+          <p:cNvPr id="17" name="그래픽 16" descr="스마트폰">
+            <a:extLst>
+              <a:ext uri="{FF2B5EF4-FFF2-40B4-BE49-F238E27FC236}">
+                <a16:creationId xmlns:a16="http://schemas.microsoft.com/office/drawing/2014/main" id="{C4443281-6412-4547-9001-794A8B0C9B39}"/>
+              </a:ext>
+            </a:extLst>
+          </p:cNvPr>
+          <p:cNvPicPr>
+            <a:picLocks noChangeAspect="1"/>
+          </p:cNvPicPr>
+          <p:nvPr/>
+        </p:nvPicPr>
+        <p:blipFill>
+          <a:blip r:embed="rId8">
+            <a:extLst>
+              <a:ext uri="{96DAC541-7B7A-43D3-8B79-37D633B846F1}">
+                <asvg:svgBlip xmlns:asvg="http://schemas.microsoft.com/office/drawing/2016/SVG/main" r:embed="rId9"/>
+              </a:ext>
+            </a:extLst>
+          </a:blip>
+          <a:stretch>
+            <a:fillRect/>
+          </a:stretch>
+        </p:blipFill>
+        <p:spPr>
+          <a:xfrm>
+            <a:off x="1823995" y="2123254"/>
+            <a:ext cx="3146836" cy="3146836"/>
+          </a:xfrm>
+          <a:prstGeom prst="rect">
+            <a:avLst/>
+          </a:prstGeom>
+        </p:spPr>
+      </p:pic>
+      <p:sp>
+        <p:nvSpPr>
+          <p:cNvPr id="5" name="TextBox 4">
+            <a:extLst>
+              <a:ext uri="{FF2B5EF4-FFF2-40B4-BE49-F238E27FC236}">
+                <a16:creationId xmlns:a16="http://schemas.microsoft.com/office/drawing/2014/main" id="{04C39737-EC37-4626-841E-3A27374FD208}"/>
+              </a:ext>
+            </a:extLst>
+          </p:cNvPr>
+          <p:cNvSpPr txBox="1"/>
+          <p:nvPr/>
+        </p:nvSpPr>
+        <p:spPr>
+          <a:xfrm>
+            <a:off x="2831691" y="2675710"/>
+            <a:ext cx="1130710" cy="707886"/>
+          </a:xfrm>
+          <a:prstGeom prst="rect">
+            <a:avLst/>
+          </a:prstGeom>
+          <a:noFill/>
+          <a:ln>
+            <a:solidFill>
+              <a:schemeClr val="tx2"/>
+            </a:solidFill>
+          </a:ln>
+        </p:spPr>
+        <p:txBody>
+          <a:bodyPr wrap="square" rtlCol="0">
+            <a:spAutoFit/>
+          </a:bodyPr>
+          <a:lstStyle/>
+          <a:p>
+            <a:r>
+              <a:rPr lang="en-US" altLang="ko-KR" sz="1000" dirty="0"/>
+              <a:t>[Push]</a:t>
+            </a:r>
+          </a:p>
+          <a:p>
+            <a:r>
+              <a:rPr lang="en-US" altLang="ko-KR" sz="1000" dirty="0"/>
+              <a:t>210</a:t>
+            </a:r>
+            <a:r>
+              <a:rPr lang="ko-KR" altLang="en-US" sz="1000" dirty="0"/>
+              <a:t>호 </a:t>
+            </a:r>
+            <a:r>
+              <a:rPr lang="ko-KR" altLang="en-US" sz="1000" dirty="0" err="1"/>
+              <a:t>성은지환자</a:t>
+            </a:r>
+            <a:r>
+              <a:rPr lang="ko-KR" altLang="en-US" sz="1000" dirty="0"/>
+              <a:t> 기저귀 </a:t>
+            </a:r>
+            <a:r>
+              <a:rPr lang="ko-KR" altLang="en-US" sz="1000" dirty="0" err="1"/>
+              <a:t>교체요망</a:t>
+            </a:r>
+            <a:endParaRPr lang="ko-KR" altLang="en-US" sz="1000" dirty="0"/>
+          </a:p>
+        </p:txBody>
+      </p:sp>
+      <p:sp>
+        <p:nvSpPr>
+          <p:cNvPr id="6" name="화살표: 오른쪽 5">
+            <a:extLst>
+              <a:ext uri="{FF2B5EF4-FFF2-40B4-BE49-F238E27FC236}">
+                <a16:creationId xmlns:a16="http://schemas.microsoft.com/office/drawing/2014/main" id="{549815B2-4524-49B7-9A0E-D6B08F00B3DD}"/>
+              </a:ext>
+            </a:extLst>
+          </p:cNvPr>
+          <p:cNvSpPr/>
+          <p:nvPr/>
+        </p:nvSpPr>
+        <p:spPr>
+          <a:xfrm>
+            <a:off x="1514168" y="2769585"/>
+            <a:ext cx="835117" cy="369332"/>
+          </a:xfrm>
+          <a:prstGeom prst="rightArrow">
+            <a:avLst/>
+          </a:prstGeom>
+          <a:solidFill>
+            <a:srgbClr val="00B050"/>
+          </a:solidFill>
+          <a:ln>
+            <a:noFill/>
+          </a:ln>
+        </p:spPr>
+        <p:style>
+          <a:lnRef idx="2">
+            <a:schemeClr val="accent1">
+              <a:shade val="50000"/>
+            </a:schemeClr>
+          </a:lnRef>
+          <a:fillRef idx="1">
+            <a:schemeClr val="accent1"/>
+          </a:fillRef>
+          <a:effectRef idx="0">
+            <a:schemeClr val="accent1"/>
+          </a:effectRef>
+          <a:fontRef idx="minor">
+            <a:schemeClr val="lt1"/>
+          </a:fontRef>
+        </p:style>
+        <p:txBody>
+          <a:bodyPr rtlCol="0" anchor="ctr"/>
+          <a:lstStyle/>
+          <a:p>
+            <a:pPr algn="ctr"/>
+            <a:endParaRPr lang="ko-KR" altLang="en-US"/>
+          </a:p>
+        </p:txBody>
+      </p:sp>
+      <p:sp>
+        <p:nvSpPr>
+          <p:cNvPr id="19" name="화살표: 오른쪽 18">
+            <a:extLst>
+              <a:ext uri="{FF2B5EF4-FFF2-40B4-BE49-F238E27FC236}">
+                <a16:creationId xmlns:a16="http://schemas.microsoft.com/office/drawing/2014/main" id="{4898DB5F-8525-4503-B174-5BC4862E6719}"/>
+              </a:ext>
+            </a:extLst>
+          </p:cNvPr>
+          <p:cNvSpPr/>
+          <p:nvPr/>
+        </p:nvSpPr>
+        <p:spPr>
+          <a:xfrm>
+            <a:off x="4649536" y="2769585"/>
+            <a:ext cx="835117" cy="369332"/>
+          </a:xfrm>
+          <a:prstGeom prst="rightArrow">
+            <a:avLst/>
+          </a:prstGeom>
+          <a:solidFill>
+            <a:srgbClr val="00B050"/>
+          </a:solidFill>
+          <a:ln>
+            <a:noFill/>
+          </a:ln>
+        </p:spPr>
+        <p:style>
+          <a:lnRef idx="2">
+            <a:schemeClr val="accent1">
+              <a:shade val="50000"/>
+            </a:schemeClr>
+          </a:lnRef>
+          <a:fillRef idx="1">
+            <a:schemeClr val="accent1"/>
+          </a:fillRef>
+          <a:effectRef idx="0">
+            <a:schemeClr val="accent1"/>
+          </a:effectRef>
+          <a:fontRef idx="minor">
+            <a:schemeClr val="lt1"/>
+          </a:fontRef>
+        </p:style>
+        <p:txBody>
+          <a:bodyPr rtlCol="0" anchor="ctr"/>
+          <a:lstStyle/>
+          <a:p>
+            <a:pPr algn="ctr"/>
+            <a:endParaRPr lang="ko-KR" altLang="en-US"/>
+          </a:p>
+        </p:txBody>
+      </p:sp>
+      <p:pic>
+        <p:nvPicPr>
+          <p:cNvPr id="21" name="그림 20">
+            <a:extLst>
+              <a:ext uri="{FF2B5EF4-FFF2-40B4-BE49-F238E27FC236}">
+                <a16:creationId xmlns:a16="http://schemas.microsoft.com/office/drawing/2014/main" id="{9F7A00A1-B8DD-4777-AB07-A1F5AE5C2CBA}"/>
+              </a:ext>
+            </a:extLst>
+          </p:cNvPr>
+          <p:cNvPicPr>
+            <a:picLocks noChangeAspect="1"/>
+          </p:cNvPicPr>
+          <p:nvPr/>
+        </p:nvPicPr>
+        <p:blipFill>
+          <a:blip r:embed="rId10"/>
+          <a:stretch>
+            <a:fillRect/>
+          </a:stretch>
+        </p:blipFill>
+        <p:spPr>
+          <a:xfrm>
+            <a:off x="6741826" y="3537778"/>
+            <a:ext cx="3916649" cy="1567940"/>
           </a:xfrm>
           <a:prstGeom prst="rect">
             <a:avLst/>
@@ -7784,6 +8177,487 @@
   <p:clrMapOvr>
     <a:masterClrMapping/>
   </p:clrMapOvr>
+  <p:timing>
+    <p:tnLst>
+      <p:par>
+        <p:cTn id="1" dur="indefinite" restart="never" nodeType="tmRoot">
+          <p:childTnLst>
+            <p:seq concurrent="1" nextAc="seek">
+              <p:cTn id="2" dur="indefinite" nodeType="mainSeq">
+                <p:childTnLst>
+                  <p:par>
+                    <p:cTn id="3" fill="hold">
+                      <p:stCondLst>
+                        <p:cond delay="indefinite"/>
+                      </p:stCondLst>
+                      <p:childTnLst>
+                        <p:par>
+                          <p:cTn id="4" fill="hold">
+                            <p:stCondLst>
+                              <p:cond delay="0"/>
+                            </p:stCondLst>
+                            <p:childTnLst>
+                              <p:par>
+                                <p:cTn id="5" presetID="26" presetClass="emph" presetSubtype="0" fill="hold" nodeType="clickEffect">
+                                  <p:stCondLst>
+                                    <p:cond delay="0"/>
+                                  </p:stCondLst>
+                                  <p:childTnLst>
+                                    <p:animEffect transition="out" filter="fade">
+                                      <p:cBhvr>
+                                        <p:cTn id="6" dur="500" tmFilter="0, 0; .2, .5; .8, .5; 1, 0"/>
+                                        <p:tgtEl>
+                                          <p:spTgt spid="3"/>
+                                        </p:tgtEl>
+                                      </p:cBhvr>
+                                    </p:animEffect>
+                                    <p:animScale>
+                                      <p:cBhvr>
+                                        <p:cTn id="7" dur="250" autoRev="1" fill="hold"/>
+                                        <p:tgtEl>
+                                          <p:spTgt spid="3"/>
+                                        </p:tgtEl>
+                                      </p:cBhvr>
+                                      <p:by x="105000" y="105000"/>
+                                    </p:animScale>
+                                  </p:childTnLst>
+                                </p:cTn>
+                              </p:par>
+                              <p:par>
+                                <p:cTn id="8" presetID="26" presetClass="emph" presetSubtype="0" fill="hold" grpId="0" nodeType="withEffect">
+                                  <p:stCondLst>
+                                    <p:cond delay="0"/>
+                                  </p:stCondLst>
+                                  <p:childTnLst>
+                                    <p:animEffect transition="out" filter="fade">
+                                      <p:cBhvr>
+                                        <p:cTn id="9" dur="500" tmFilter="0, 0; .2, .5; .8, .5; 1, 0"/>
+                                        <p:tgtEl>
+                                          <p:spTgt spid="4"/>
+                                        </p:tgtEl>
+                                      </p:cBhvr>
+                                    </p:animEffect>
+                                    <p:animScale>
+                                      <p:cBhvr>
+                                        <p:cTn id="10" dur="250" autoRev="1" fill="hold"/>
+                                        <p:tgtEl>
+                                          <p:spTgt spid="4"/>
+                                        </p:tgtEl>
+                                      </p:cBhvr>
+                                      <p:by x="105000" y="105000"/>
+                                    </p:animScale>
+                                  </p:childTnLst>
+                                </p:cTn>
+                              </p:par>
+                            </p:childTnLst>
+                          </p:cTn>
+                        </p:par>
+                      </p:childTnLst>
+                    </p:cTn>
+                  </p:par>
+                  <p:par>
+                    <p:cTn id="11" fill="hold">
+                      <p:stCondLst>
+                        <p:cond delay="indefinite"/>
+                      </p:stCondLst>
+                      <p:childTnLst>
+                        <p:par>
+                          <p:cTn id="12" fill="hold">
+                            <p:stCondLst>
+                              <p:cond delay="0"/>
+                            </p:stCondLst>
+                            <p:childTnLst>
+                              <p:par>
+                                <p:cTn id="13" presetID="10" presetClass="entr" presetSubtype="0" fill="hold" grpId="0" nodeType="clickEffect">
+                                  <p:stCondLst>
+                                    <p:cond delay="0"/>
+                                  </p:stCondLst>
+                                  <p:childTnLst>
+                                    <p:set>
+                                      <p:cBhvr>
+                                        <p:cTn id="14" dur="1" fill="hold">
+                                          <p:stCondLst>
+                                            <p:cond delay="0"/>
+                                          </p:stCondLst>
+                                        </p:cTn>
+                                        <p:tgtEl>
+                                          <p:spTgt spid="6"/>
+                                        </p:tgtEl>
+                                        <p:attrNameLst>
+                                          <p:attrName>style.visibility</p:attrName>
+                                        </p:attrNameLst>
+                                      </p:cBhvr>
+                                      <p:to>
+                                        <p:strVal val="visible"/>
+                                      </p:to>
+                                    </p:set>
+                                    <p:animEffect transition="in" filter="fade">
+                                      <p:cBhvr>
+                                        <p:cTn id="15" dur="500"/>
+                                        <p:tgtEl>
+                                          <p:spTgt spid="6"/>
+                                        </p:tgtEl>
+                                      </p:cBhvr>
+                                    </p:animEffect>
+                                  </p:childTnLst>
+                                </p:cTn>
+                              </p:par>
+                            </p:childTnLst>
+                          </p:cTn>
+                        </p:par>
+                      </p:childTnLst>
+                    </p:cTn>
+                  </p:par>
+                  <p:par>
+                    <p:cTn id="16" fill="hold">
+                      <p:stCondLst>
+                        <p:cond delay="indefinite"/>
+                      </p:stCondLst>
+                      <p:childTnLst>
+                        <p:par>
+                          <p:cTn id="17" fill="hold">
+                            <p:stCondLst>
+                              <p:cond delay="0"/>
+                            </p:stCondLst>
+                            <p:childTnLst>
+                              <p:par>
+                                <p:cTn id="18" presetID="22" presetClass="entr" presetSubtype="1" fill="hold" grpId="0" nodeType="clickEffect">
+                                  <p:stCondLst>
+                                    <p:cond delay="0"/>
+                                  </p:stCondLst>
+                                  <p:childTnLst>
+                                    <p:set>
+                                      <p:cBhvr>
+                                        <p:cTn id="19" dur="1" fill="hold">
+                                          <p:stCondLst>
+                                            <p:cond delay="0"/>
+                                          </p:stCondLst>
+                                        </p:cTn>
+                                        <p:tgtEl>
+                                          <p:spTgt spid="5"/>
+                                        </p:tgtEl>
+                                        <p:attrNameLst>
+                                          <p:attrName>style.visibility</p:attrName>
+                                        </p:attrNameLst>
+                                      </p:cBhvr>
+                                      <p:to>
+                                        <p:strVal val="visible"/>
+                                      </p:to>
+                                    </p:set>
+                                    <p:animEffect transition="in" filter="wipe(up)">
+                                      <p:cBhvr>
+                                        <p:cTn id="20" dur="500"/>
+                                        <p:tgtEl>
+                                          <p:spTgt spid="5"/>
+                                        </p:tgtEl>
+                                      </p:cBhvr>
+                                    </p:animEffect>
+                                  </p:childTnLst>
+                                </p:cTn>
+                              </p:par>
+                            </p:childTnLst>
+                          </p:cTn>
+                        </p:par>
+                      </p:childTnLst>
+                    </p:cTn>
+                  </p:par>
+                  <p:par>
+                    <p:cTn id="21" fill="hold">
+                      <p:stCondLst>
+                        <p:cond delay="indefinite"/>
+                      </p:stCondLst>
+                      <p:childTnLst>
+                        <p:par>
+                          <p:cTn id="22" fill="hold">
+                            <p:stCondLst>
+                              <p:cond delay="0"/>
+                            </p:stCondLst>
+                            <p:childTnLst>
+                              <p:par>
+                                <p:cTn id="23" presetID="10" presetClass="entr" presetSubtype="0" fill="hold" grpId="0" nodeType="clickEffect">
+                                  <p:stCondLst>
+                                    <p:cond delay="0"/>
+                                  </p:stCondLst>
+                                  <p:childTnLst>
+                                    <p:set>
+                                      <p:cBhvr>
+                                        <p:cTn id="24" dur="1" fill="hold">
+                                          <p:stCondLst>
+                                            <p:cond delay="0"/>
+                                          </p:stCondLst>
+                                        </p:cTn>
+                                        <p:tgtEl>
+                                          <p:spTgt spid="19"/>
+                                        </p:tgtEl>
+                                        <p:attrNameLst>
+                                          <p:attrName>style.visibility</p:attrName>
+                                        </p:attrNameLst>
+                                      </p:cBhvr>
+                                      <p:to>
+                                        <p:strVal val="visible"/>
+                                      </p:to>
+                                    </p:set>
+                                    <p:animEffect transition="in" filter="fade">
+                                      <p:cBhvr>
+                                        <p:cTn id="25" dur="500"/>
+                                        <p:tgtEl>
+                                          <p:spTgt spid="19"/>
+                                        </p:tgtEl>
+                                      </p:cBhvr>
+                                    </p:animEffect>
+                                  </p:childTnLst>
+                                </p:cTn>
+                              </p:par>
+                            </p:childTnLst>
+                          </p:cTn>
+                        </p:par>
+                      </p:childTnLst>
+                    </p:cTn>
+                  </p:par>
+                  <p:par>
+                    <p:cTn id="26" fill="hold">
+                      <p:stCondLst>
+                        <p:cond delay="indefinite"/>
+                      </p:stCondLst>
+                      <p:childTnLst>
+                        <p:par>
+                          <p:cTn id="27" fill="hold">
+                            <p:stCondLst>
+                              <p:cond delay="0"/>
+                            </p:stCondLst>
+                            <p:childTnLst>
+                              <p:par>
+                                <p:cTn id="28" presetID="14" presetClass="exit" presetSubtype="10" fill="hold" nodeType="clickEffect">
+                                  <p:stCondLst>
+                                    <p:cond delay="0"/>
+                                  </p:stCondLst>
+                                  <p:childTnLst>
+                                    <p:animEffect transition="out" filter="randombar(horizontal)">
+                                      <p:cBhvr>
+                                        <p:cTn id="29" dur="500"/>
+                                        <p:tgtEl>
+                                          <p:spTgt spid="21"/>
+                                        </p:tgtEl>
+                                      </p:cBhvr>
+                                    </p:animEffect>
+                                    <p:set>
+                                      <p:cBhvr>
+                                        <p:cTn id="30" dur="1" fill="hold">
+                                          <p:stCondLst>
+                                            <p:cond delay="499"/>
+                                          </p:stCondLst>
+                                        </p:cTn>
+                                        <p:tgtEl>
+                                          <p:spTgt spid="21"/>
+                                        </p:tgtEl>
+                                        <p:attrNameLst>
+                                          <p:attrName>style.visibility</p:attrName>
+                                        </p:attrNameLst>
+                                      </p:cBhvr>
+                                      <p:to>
+                                        <p:strVal val="hidden"/>
+                                      </p:to>
+                                    </p:set>
+                                  </p:childTnLst>
+                                </p:cTn>
+                              </p:par>
+                            </p:childTnLst>
+                          </p:cTn>
+                        </p:par>
+                      </p:childTnLst>
+                    </p:cTn>
+                  </p:par>
+                  <p:par>
+                    <p:cTn id="31" fill="hold">
+                      <p:stCondLst>
+                        <p:cond delay="indefinite"/>
+                      </p:stCondLst>
+                      <p:childTnLst>
+                        <p:par>
+                          <p:cTn id="32" fill="hold">
+                            <p:stCondLst>
+                              <p:cond delay="0"/>
+                            </p:stCondLst>
+                            <p:childTnLst>
+                              <p:par>
+                                <p:cTn id="33" presetID="14" presetClass="entr" presetSubtype="10" fill="hold" nodeType="clickEffect">
+                                  <p:stCondLst>
+                                    <p:cond delay="0"/>
+                                  </p:stCondLst>
+                                  <p:childTnLst>
+                                    <p:set>
+                                      <p:cBhvr>
+                                        <p:cTn id="34" dur="1" fill="hold">
+                                          <p:stCondLst>
+                                            <p:cond delay="0"/>
+                                          </p:stCondLst>
+                                        </p:cTn>
+                                        <p:tgtEl>
+                                          <p:spTgt spid="21"/>
+                                        </p:tgtEl>
+                                        <p:attrNameLst>
+                                          <p:attrName>style.visibility</p:attrName>
+                                        </p:attrNameLst>
+                                      </p:cBhvr>
+                                      <p:to>
+                                        <p:strVal val="visible"/>
+                                      </p:to>
+                                    </p:set>
+                                    <p:animEffect transition="in" filter="randombar(horizontal)">
+                                      <p:cBhvr>
+                                        <p:cTn id="35" dur="500"/>
+                                        <p:tgtEl>
+                                          <p:spTgt spid="21"/>
+                                        </p:tgtEl>
+                                      </p:cBhvr>
+                                    </p:animEffect>
+                                  </p:childTnLst>
+                                </p:cTn>
+                              </p:par>
+                            </p:childTnLst>
+                          </p:cTn>
+                        </p:par>
+                      </p:childTnLst>
+                    </p:cTn>
+                  </p:par>
+                  <p:par>
+                    <p:cTn id="36" fill="hold">
+                      <p:stCondLst>
+                        <p:cond delay="indefinite"/>
+                      </p:stCondLst>
+                      <p:childTnLst>
+                        <p:par>
+                          <p:cTn id="37" fill="hold">
+                            <p:stCondLst>
+                              <p:cond delay="0"/>
+                            </p:stCondLst>
+                            <p:childTnLst>
+                              <p:par>
+                                <p:cTn id="38" presetID="10" presetClass="exit" presetSubtype="0" fill="hold" grpId="1" nodeType="clickEffect">
+                                  <p:stCondLst>
+                                    <p:cond delay="0"/>
+                                  </p:stCondLst>
+                                  <p:childTnLst>
+                                    <p:animEffect transition="out" filter="fade">
+                                      <p:cBhvr>
+                                        <p:cTn id="39" dur="500"/>
+                                        <p:tgtEl>
+                                          <p:spTgt spid="5"/>
+                                        </p:tgtEl>
+                                      </p:cBhvr>
+                                    </p:animEffect>
+                                    <p:set>
+                                      <p:cBhvr>
+                                        <p:cTn id="40" dur="1" fill="hold">
+                                          <p:stCondLst>
+                                            <p:cond delay="499"/>
+                                          </p:stCondLst>
+                                        </p:cTn>
+                                        <p:tgtEl>
+                                          <p:spTgt spid="5"/>
+                                        </p:tgtEl>
+                                        <p:attrNameLst>
+                                          <p:attrName>style.visibility</p:attrName>
+                                        </p:attrNameLst>
+                                      </p:cBhvr>
+                                      <p:to>
+                                        <p:strVal val="hidden"/>
+                                      </p:to>
+                                    </p:set>
+                                  </p:childTnLst>
+                                </p:cTn>
+                              </p:par>
+                              <p:par>
+                                <p:cTn id="41" presetID="1" presetClass="exit" presetSubtype="0" fill="hold" grpId="1" nodeType="withEffect">
+                                  <p:stCondLst>
+                                    <p:cond delay="0"/>
+                                  </p:stCondLst>
+                                  <p:childTnLst>
+                                    <p:set>
+                                      <p:cBhvr>
+                                        <p:cTn id="42" dur="1" fill="hold">
+                                          <p:stCondLst>
+                                            <p:cond delay="0"/>
+                                          </p:stCondLst>
+                                        </p:cTn>
+                                        <p:tgtEl>
+                                          <p:spTgt spid="6"/>
+                                        </p:tgtEl>
+                                        <p:attrNameLst>
+                                          <p:attrName>style.visibility</p:attrName>
+                                        </p:attrNameLst>
+                                      </p:cBhvr>
+                                      <p:to>
+                                        <p:strVal val="hidden"/>
+                                      </p:to>
+                                    </p:set>
+                                  </p:childTnLst>
+                                </p:cTn>
+                              </p:par>
+                              <p:par>
+                                <p:cTn id="43" presetID="1" presetClass="exit" presetSubtype="0" fill="hold" grpId="1" nodeType="withEffect">
+                                  <p:stCondLst>
+                                    <p:cond delay="0"/>
+                                  </p:stCondLst>
+                                  <p:childTnLst>
+                                    <p:set>
+                                      <p:cBhvr>
+                                        <p:cTn id="44" dur="1" fill="hold">
+                                          <p:stCondLst>
+                                            <p:cond delay="0"/>
+                                          </p:stCondLst>
+                                        </p:cTn>
+                                        <p:tgtEl>
+                                          <p:spTgt spid="19"/>
+                                        </p:tgtEl>
+                                        <p:attrNameLst>
+                                          <p:attrName>style.visibility</p:attrName>
+                                        </p:attrNameLst>
+                                      </p:cBhvr>
+                                      <p:to>
+                                        <p:strVal val="hidden"/>
+                                      </p:to>
+                                    </p:set>
+                                  </p:childTnLst>
+                                </p:cTn>
+                              </p:par>
+                            </p:childTnLst>
+                          </p:cTn>
+                        </p:par>
+                      </p:childTnLst>
+                    </p:cTn>
+                  </p:par>
+                </p:childTnLst>
+              </p:cTn>
+              <p:prevCondLst>
+                <p:cond evt="onPrev" delay="0">
+                  <p:tgtEl>
+                    <p:sldTgt/>
+                  </p:tgtEl>
+                </p:cond>
+              </p:prevCondLst>
+              <p:nextCondLst>
+                <p:cond evt="onNext" delay="0">
+                  <p:tgtEl>
+                    <p:sldTgt/>
+                  </p:tgtEl>
+                </p:cond>
+              </p:nextCondLst>
+            </p:seq>
+          </p:childTnLst>
+        </p:cTn>
+      </p:par>
+    </p:tnLst>
+    <p:bldLst>
+      <p:bldP spid="4" grpId="0"/>
+      <p:bldP spid="5" grpId="0" animBg="1"/>
+      <p:bldP spid="5" grpId="1" animBg="1"/>
+      <p:bldP spid="6" grpId="0" animBg="1"/>
+      <p:bldP spid="6" grpId="1" animBg="1"/>
+      <p:bldP spid="19" grpId="0" animBg="1"/>
+      <p:bldP spid="19" grpId="1" animBg="1"/>
+    </p:bldLst>
+  </p:timing>
 </p:sld>
 </file>
 
@@ -7933,7 +8807,7 @@
         <p:spPr>
           <a:xfrm>
             <a:off x="4361012" y="833618"/>
-            <a:ext cx="1426009" cy="461665"/>
+            <a:ext cx="1582588" cy="461665"/>
           </a:xfrm>
           <a:prstGeom prst="rect">
             <a:avLst/>
@@ -7960,7 +8834,7 @@
                 </a:effectLst>
                 <a:latin typeface="+mn-ea"/>
               </a:rPr>
-              <a:t>Hanggis</a:t>
+              <a:t>Hanggies</a:t>
             </a:r>
             <a:endParaRPr lang="ko-KR" altLang="en-US" sz="2000" b="1" dirty="0">
               <a:solidFill>
@@ -8855,7 +9729,7 @@
                 </a:effectLst>
                 <a:latin typeface="+mn-ea"/>
               </a:rPr>
-              <a:t>Hanggis</a:t>
+              <a:t>Hanggies</a:t>
             </a:r>
             <a:endParaRPr lang="ko-KR" altLang="en-US" sz="2400" b="1" dirty="0">
               <a:solidFill>
@@ -10552,7 +11426,7 @@
                 </a:effectLst>
                 <a:latin typeface="+mn-ea"/>
               </a:rPr>
-              <a:t>Hanggis</a:t>
+              <a:t>Hanggies</a:t>
             </a:r>
             <a:endParaRPr lang="ko-KR" altLang="en-US" sz="2400" b="1" dirty="0">
               <a:solidFill>
@@ -11750,7 +12624,7 @@
                 </a:solidFill>
                 <a:latin typeface="+mn-ea"/>
               </a:rPr>
-              <a:t>Hanggis</a:t>
+              <a:t>Hanggies</a:t>
             </a:r>
             <a:endParaRPr lang="ko-KR" altLang="en-US" sz="1600" dirty="0">
               <a:solidFill>
